--- a/docs/AIAD_Second_Presentation.pptx
+++ b/docs/AIAD_Second_Presentation.pptx
@@ -113,6 +113,11 @@
       </a:defRPr>
     </a:lvl9pPr>
   </p:defaultTextStyle>
+  <p:extLst>
+    <p:ext uri="{EFAFB233-063F-42B5-8137-9DF3F51BA10A}">
+      <p15:sldGuideLst xmlns:p15="http://schemas.microsoft.com/office/powerpoint/2012/main"/>
+    </p:ext>
+  </p:extLst>
 </p:presentation>
 </file>
 
@@ -7354,7 +7359,7 @@
                   </a:outerShdw>
                 </a:effectLst>
               </a:rPr>
-              <a:t> Arthur Matta  - up</a:t>
+              <a:t> Arthur Matta  - up201609953</a:t>
             </a:r>
           </a:p>
           <a:p>
@@ -7372,37 +7377,7 @@
                   </a:outerShdw>
                 </a:effectLst>
               </a:rPr>
-              <a:t> </a:t>
-            </a:r>
-            <a:r>
-              <a:rPr lang="en-US" sz="2800" b="1" dirty="0" err="1">
-                <a:solidFill>
-                  <a:srgbClr val="90C226"/>
-                </a:solidFill>
-                <a:effectLst>
-                  <a:outerShdw blurRad="38100" dist="38100" dir="2700000" algn="tl">
-                    <a:srgbClr val="000000">
-                      <a:alpha val="43137"/>
-                    </a:srgbClr>
-                  </a:outerShdw>
-                </a:effectLst>
-              </a:rPr>
-              <a:t>Diogo</a:t>
-            </a:r>
-            <a:r>
-              <a:rPr lang="en-US" sz="2800" b="1" dirty="0">
-                <a:solidFill>
-                  <a:srgbClr val="90C226"/>
-                </a:solidFill>
-                <a:effectLst>
-                  <a:outerShdw blurRad="38100" dist="38100" dir="2700000" algn="tl">
-                    <a:srgbClr val="000000">
-                      <a:alpha val="43137"/>
-                    </a:srgbClr>
-                  </a:outerShdw>
-                </a:effectLst>
-              </a:rPr>
-              <a:t> Reis – up</a:t>
+              <a:t> Diogo Reis – up201505472</a:t>
             </a:r>
           </a:p>
           <a:p>
@@ -7532,7 +7507,7 @@
                   <a:srgbClr val="90C226"/>
                 </a:solidFill>
               </a:rPr>
-              <a:t>	We have achieved our goal of discovering the best risk factor for our simulation. Despite that we are not yet happy with the results 9% or error is not a value that we are happy with.</a:t>
+              <a:t>	We have achieved our goal of discovering the best risk factor for our simulation. Despite that we are not yet happy with the results 9% of error is not a value that we are happy with.</a:t>
             </a:r>
           </a:p>
           <a:p>
@@ -7681,7 +7656,7 @@
                   <a:srgbClr val="90C226"/>
                 </a:solidFill>
               </a:rPr>
-              <a:t>	This simulation has a lot of parameters associated with it, the most important and the one that we wish to study is the risk aversion of investors. Risk aversion means how likely the investor is to make risky moves or not, what can be considered a risky move in the stock market is something very complex and is not the point of this study, here we consider a risky move investing in companies that that have low standards of quality and perform badly.</a:t>
+              <a:t>	This simulation has a lot of parameters associated with it, the most important and the one that we wish to study is the risk aversion of investors. Risk aversion means how likely the investor is to make risky moves or not, what can be considered a risky move in the stock market is something very complex and is not the point of this study, here we consider a risky move investing in companies that have low standards of quality and perform badly.</a:t>
             </a:r>
           </a:p>
           <a:p>
@@ -7797,7 +7772,7 @@
                   <a:srgbClr val="90C226"/>
                 </a:solidFill>
               </a:rPr>
-              <a:t>	To execute our experiments we created a large number of investors for our simulation. These investors differed only in name and risk factor all else was the same to make results easier to interpret.</a:t>
+              <a:t>	To execute our experiments we created a large number of investors for our simulation. These investors differed only in name and risk factor everything else was the same to make results easier to interpret.</a:t>
             </a:r>
           </a:p>
           <a:p>
@@ -7819,7 +7794,7 @@
                   <a:srgbClr val="90C226"/>
                 </a:solidFill>
               </a:rPr>
-              <a:t>	As such all investors have a starting capital of $50000 and vary between them in risk by 5%. As such we have roughly 20 investors.</a:t>
+              <a:t>	As such all investors have a starting capital of $50000 and vary between them in risk by 5%. We have roughly 20 investors.</a:t>
             </a:r>
           </a:p>
           <a:p>
@@ -8161,7 +8136,7 @@
                   <a:srgbClr val="90C226"/>
                 </a:solidFill>
               </a:rPr>
-              <a:t>	The presented data points are captured everyday of out simulation and for every investor so that we have a historic of capital evolution for every risk value that we can analyze.</a:t>
+              <a:t>	The presented data points are captured everyday of our simulation and for every investor so that we have a historic of capital evolution for every risk value that we can analyze.</a:t>
             </a:r>
           </a:p>
           <a:p>
@@ -8288,7 +8263,7 @@
                   <a:srgbClr val="90C226"/>
                 </a:solidFill>
               </a:rPr>
-              <a:t>	We chose 4 different models to analyze our data, while out problem is a regression problem, we discovered that the regression functions were not the best at all for our problems.</a:t>
+              <a:t>	We chose 4 different models to analyze our data, while our problem is a regression problem, we discovered that the regression functions were not the best at all for our problems.</a:t>
             </a:r>
           </a:p>
           <a:p>
@@ -8354,7 +8329,7 @@
                   <a:srgbClr val="90C226"/>
                 </a:solidFill>
               </a:rPr>
-              <a:t>	We found out that for our dataset and for our problem the decision tree seems to be the best model.</a:t>
+              <a:t>	We found out that for our dataset and for our problem the decision tree seemed to be the best model.</a:t>
             </a:r>
             <a:endParaRPr lang="pt-PT" sz="2400" dirty="0">
               <a:solidFill>
